--- a/Documentos/Jerarquia Entidades.pptx
+++ b/Documentos/Jerarquia Entidades.pptx
@@ -104,6 +104,11 @@
       </a:defRPr>
     </a:lvl9pPr>
   </p:defaultTextStyle>
+  <p:extLst>
+    <p:ext uri="{EFAFB233-063F-42B5-8137-9DF3F51BA10A}">
+      <p15:sldGuideLst xmlns:p15="http://schemas.microsoft.com/office/powerpoint/2012/main"/>
+    </p:ext>
+  </p:extLst>
 </p:presentation>
 </file>
 
@@ -254,7 +259,7 @@
           <a:p>
             <a:fld id="{B02C40D6-EE99-49BD-9C79-91CBF51F75F8}" type="datetimeFigureOut">
               <a:rPr lang="en-US" smtClean="0"/>
-              <a:t>10/4/2018</a:t>
+              <a:t>10/5/2018</a:t>
             </a:fld>
             <a:endParaRPr lang="en-US"/>
           </a:p>
@@ -452,7 +457,7 @@
           <a:p>
             <a:fld id="{B02C40D6-EE99-49BD-9C79-91CBF51F75F8}" type="datetimeFigureOut">
               <a:rPr lang="en-US" smtClean="0"/>
-              <a:t>10/4/2018</a:t>
+              <a:t>10/5/2018</a:t>
             </a:fld>
             <a:endParaRPr lang="en-US"/>
           </a:p>
@@ -660,7 +665,7 @@
           <a:p>
             <a:fld id="{B02C40D6-EE99-49BD-9C79-91CBF51F75F8}" type="datetimeFigureOut">
               <a:rPr lang="en-US" smtClean="0"/>
-              <a:t>10/4/2018</a:t>
+              <a:t>10/5/2018</a:t>
             </a:fld>
             <a:endParaRPr lang="en-US"/>
           </a:p>
@@ -858,7 +863,7 @@
           <a:p>
             <a:fld id="{B02C40D6-EE99-49BD-9C79-91CBF51F75F8}" type="datetimeFigureOut">
               <a:rPr lang="en-US" smtClean="0"/>
-              <a:t>10/4/2018</a:t>
+              <a:t>10/5/2018</a:t>
             </a:fld>
             <a:endParaRPr lang="en-US"/>
           </a:p>
@@ -1133,7 +1138,7 @@
           <a:p>
             <a:fld id="{B02C40D6-EE99-49BD-9C79-91CBF51F75F8}" type="datetimeFigureOut">
               <a:rPr lang="en-US" smtClean="0"/>
-              <a:t>10/4/2018</a:t>
+              <a:t>10/5/2018</a:t>
             </a:fld>
             <a:endParaRPr lang="en-US"/>
           </a:p>
@@ -1398,7 +1403,7 @@
           <a:p>
             <a:fld id="{B02C40D6-EE99-49BD-9C79-91CBF51F75F8}" type="datetimeFigureOut">
               <a:rPr lang="en-US" smtClean="0"/>
-              <a:t>10/4/2018</a:t>
+              <a:t>10/5/2018</a:t>
             </a:fld>
             <a:endParaRPr lang="en-US"/>
           </a:p>
@@ -1810,7 +1815,7 @@
           <a:p>
             <a:fld id="{B02C40D6-EE99-49BD-9C79-91CBF51F75F8}" type="datetimeFigureOut">
               <a:rPr lang="en-US" smtClean="0"/>
-              <a:t>10/4/2018</a:t>
+              <a:t>10/5/2018</a:t>
             </a:fld>
             <a:endParaRPr lang="en-US"/>
           </a:p>
@@ -1951,7 +1956,7 @@
           <a:p>
             <a:fld id="{B02C40D6-EE99-49BD-9C79-91CBF51F75F8}" type="datetimeFigureOut">
               <a:rPr lang="en-US" smtClean="0"/>
-              <a:t>10/4/2018</a:t>
+              <a:t>10/5/2018</a:t>
             </a:fld>
             <a:endParaRPr lang="en-US"/>
           </a:p>
@@ -2064,7 +2069,7 @@
           <a:p>
             <a:fld id="{B02C40D6-EE99-49BD-9C79-91CBF51F75F8}" type="datetimeFigureOut">
               <a:rPr lang="en-US" smtClean="0"/>
-              <a:t>10/4/2018</a:t>
+              <a:t>10/5/2018</a:t>
             </a:fld>
             <a:endParaRPr lang="en-US"/>
           </a:p>
@@ -2375,7 +2380,7 @@
           <a:p>
             <a:fld id="{B02C40D6-EE99-49BD-9C79-91CBF51F75F8}" type="datetimeFigureOut">
               <a:rPr lang="en-US" smtClean="0"/>
-              <a:t>10/4/2018</a:t>
+              <a:t>10/5/2018</a:t>
             </a:fld>
             <a:endParaRPr lang="en-US"/>
           </a:p>
@@ -2663,7 +2668,7 @@
           <a:p>
             <a:fld id="{B02C40D6-EE99-49BD-9C79-91CBF51F75F8}" type="datetimeFigureOut">
               <a:rPr lang="en-US" smtClean="0"/>
-              <a:t>10/4/2018</a:t>
+              <a:t>10/5/2018</a:t>
             </a:fld>
             <a:endParaRPr lang="en-US"/>
           </a:p>
@@ -2904,7 +2909,7 @@
           <a:p>
             <a:fld id="{B02C40D6-EE99-49BD-9C79-91CBF51F75F8}" type="datetimeFigureOut">
               <a:rPr lang="en-US" smtClean="0"/>
-              <a:t>10/4/2018</a:t>
+              <a:t>10/5/2018</a:t>
             </a:fld>
             <a:endParaRPr lang="en-US"/>
           </a:p>
@@ -3321,6 +3326,1036 @@
           <a:chExt cx="0" cy="0"/>
         </a:xfrm>
       </p:grpSpPr>
+      <p:sp>
+        <p:nvSpPr>
+          <p:cNvPr id="16" name="Rectangle 15">
+            <a:extLst>
+              <a:ext uri="{FF2B5EF4-FFF2-40B4-BE49-F238E27FC236}">
+                <a16:creationId xmlns:a16="http://schemas.microsoft.com/office/drawing/2014/main" id="{9BD5E961-74BC-40BA-87E4-7F112CC5A9A5}"/>
+              </a:ext>
+            </a:extLst>
+          </p:cNvPr>
+          <p:cNvSpPr/>
+          <p:nvPr/>
+        </p:nvSpPr>
+        <p:spPr>
+          <a:xfrm>
+            <a:off x="6250571" y="3424559"/>
+            <a:ext cx="2058147" cy="914400"/>
+          </a:xfrm>
+          <a:prstGeom prst="rect">
+            <a:avLst/>
+          </a:prstGeom>
+        </p:spPr>
+        <p:style>
+          <a:lnRef idx="2">
+            <a:schemeClr val="accent1">
+              <a:shade val="50000"/>
+            </a:schemeClr>
+          </a:lnRef>
+          <a:fillRef idx="1">
+            <a:schemeClr val="accent1"/>
+          </a:fillRef>
+          <a:effectRef idx="0">
+            <a:schemeClr val="accent1"/>
+          </a:effectRef>
+          <a:fontRef idx="minor">
+            <a:schemeClr val="lt1"/>
+          </a:fontRef>
+        </p:style>
+        <p:txBody>
+          <a:bodyPr rtlCol="0" anchor="ctr"/>
+          <a:lstStyle/>
+          <a:p>
+            <a:pPr algn="ctr"/>
+            <a:r>
+              <a:rPr lang="es-CO" dirty="0"/>
+              <a:t>Resultados Quínela</a:t>
+            </a:r>
+          </a:p>
+        </p:txBody>
+      </p:sp>
+      <p:sp>
+        <p:nvSpPr>
+          <p:cNvPr id="17" name="Rectangle 16">
+            <a:extLst>
+              <a:ext uri="{FF2B5EF4-FFF2-40B4-BE49-F238E27FC236}">
+                <a16:creationId xmlns:a16="http://schemas.microsoft.com/office/drawing/2014/main" id="{28B6BAD7-AE4B-4A5C-8017-C800451D3446}"/>
+              </a:ext>
+            </a:extLst>
+          </p:cNvPr>
+          <p:cNvSpPr/>
+          <p:nvPr/>
+        </p:nvSpPr>
+        <p:spPr>
+          <a:xfrm>
+            <a:off x="6250571" y="696894"/>
+            <a:ext cx="2058147" cy="914400"/>
+          </a:xfrm>
+          <a:prstGeom prst="rect">
+            <a:avLst/>
+          </a:prstGeom>
+        </p:spPr>
+        <p:style>
+          <a:lnRef idx="2">
+            <a:schemeClr val="accent1">
+              <a:shade val="50000"/>
+            </a:schemeClr>
+          </a:lnRef>
+          <a:fillRef idx="1">
+            <a:schemeClr val="accent1"/>
+          </a:fillRef>
+          <a:effectRef idx="0">
+            <a:schemeClr val="accent1"/>
+          </a:effectRef>
+          <a:fontRef idx="minor">
+            <a:schemeClr val="lt1"/>
+          </a:fontRef>
+        </p:style>
+        <p:txBody>
+          <a:bodyPr rtlCol="0" anchor="ctr"/>
+          <a:lstStyle/>
+          <a:p>
+            <a:pPr algn="ctr"/>
+            <a:r>
+              <a:rPr lang="es-CO" dirty="0"/>
+              <a:t>Resultados Jornada</a:t>
+            </a:r>
+          </a:p>
+        </p:txBody>
+      </p:sp>
+      <p:grpSp>
+        <p:nvGrpSpPr>
+          <p:cNvPr id="28" name="Group 27">
+            <a:extLst>
+              <a:ext uri="{FF2B5EF4-FFF2-40B4-BE49-F238E27FC236}">
+                <a16:creationId xmlns:a16="http://schemas.microsoft.com/office/drawing/2014/main" id="{CE07D36D-9DDC-4D73-9B45-464971ADC5AC}"/>
+              </a:ext>
+            </a:extLst>
+          </p:cNvPr>
+          <p:cNvGrpSpPr/>
+          <p:nvPr/>
+        </p:nvGrpSpPr>
+        <p:grpSpPr>
+          <a:xfrm>
+            <a:off x="1074198" y="556330"/>
+            <a:ext cx="4891595" cy="2510162"/>
+            <a:chOff x="2263806" y="827842"/>
+            <a:chExt cx="4891595" cy="2510162"/>
+          </a:xfrm>
+        </p:grpSpPr>
+        <p:grpSp>
+          <p:nvGrpSpPr>
+            <p:cNvPr id="24" name="Group 23">
+              <a:extLst>
+                <a:ext uri="{FF2B5EF4-FFF2-40B4-BE49-F238E27FC236}">
+                  <a16:creationId xmlns:a16="http://schemas.microsoft.com/office/drawing/2014/main" id="{C9D875B1-CDF5-43D9-8F25-CC3FA6FA8CC0}"/>
+                </a:ext>
+              </a:extLst>
+            </p:cNvPr>
+            <p:cNvGrpSpPr/>
+            <p:nvPr/>
+          </p:nvGrpSpPr>
+          <p:grpSpPr>
+            <a:xfrm>
+              <a:off x="2432481" y="958788"/>
+              <a:ext cx="4580878" cy="2180206"/>
+              <a:chOff x="337350" y="310719"/>
+              <a:chExt cx="4580878" cy="2180206"/>
+            </a:xfrm>
+          </p:grpSpPr>
+          <p:sp>
+            <p:nvSpPr>
+              <p:cNvPr id="3" name="Rectangle 2">
+                <a:extLst>
+                  <a:ext uri="{FF2B5EF4-FFF2-40B4-BE49-F238E27FC236}">
+                    <a16:creationId xmlns:a16="http://schemas.microsoft.com/office/drawing/2014/main" id="{CB5E8579-9562-4FE6-B5EA-FB4EFDE580BE}"/>
+                  </a:ext>
+                </a:extLst>
+              </p:cNvPr>
+              <p:cNvSpPr/>
+              <p:nvPr/>
+            </p:nvSpPr>
+            <p:spPr>
+              <a:xfrm>
+                <a:off x="337350" y="310719"/>
+                <a:ext cx="1118587" cy="914400"/>
+              </a:xfrm>
+              <a:prstGeom prst="rect">
+                <a:avLst/>
+              </a:prstGeom>
+            </p:spPr>
+            <p:style>
+              <a:lnRef idx="2">
+                <a:schemeClr val="accent1">
+                  <a:shade val="50000"/>
+                </a:schemeClr>
+              </a:lnRef>
+              <a:fillRef idx="1">
+                <a:schemeClr val="accent1"/>
+              </a:fillRef>
+              <a:effectRef idx="0">
+                <a:schemeClr val="accent1"/>
+              </a:effectRef>
+              <a:fontRef idx="minor">
+                <a:schemeClr val="lt1"/>
+              </a:fontRef>
+            </p:style>
+            <p:txBody>
+              <a:bodyPr rtlCol="0" anchor="ctr"/>
+              <a:lstStyle/>
+              <a:p>
+                <a:pPr algn="ctr"/>
+                <a:r>
+                  <a:rPr lang="es-CO" dirty="0"/>
+                  <a:t>Jornada</a:t>
+                </a:r>
+                <a:endParaRPr lang="en-US" dirty="0"/>
+              </a:p>
+            </p:txBody>
+          </p:sp>
+          <p:sp>
+            <p:nvSpPr>
+              <p:cNvPr id="7" name="Rectangle 6">
+                <a:extLst>
+                  <a:ext uri="{FF2B5EF4-FFF2-40B4-BE49-F238E27FC236}">
+                    <a16:creationId xmlns:a16="http://schemas.microsoft.com/office/drawing/2014/main" id="{6FC81519-7724-45C4-AE77-0E496D665B95}"/>
+                  </a:ext>
+                </a:extLst>
+              </p:cNvPr>
+              <p:cNvSpPr/>
+              <p:nvPr/>
+            </p:nvSpPr>
+            <p:spPr>
+              <a:xfrm>
+                <a:off x="1091953" y="976543"/>
+                <a:ext cx="1189608" cy="337352"/>
+              </a:xfrm>
+              <a:prstGeom prst="rect">
+                <a:avLst/>
+              </a:prstGeom>
+            </p:spPr>
+            <p:style>
+              <a:lnRef idx="2">
+                <a:schemeClr val="accent1">
+                  <a:shade val="50000"/>
+                </a:schemeClr>
+              </a:lnRef>
+              <a:fillRef idx="1">
+                <a:schemeClr val="accent1"/>
+              </a:fillRef>
+              <a:effectRef idx="0">
+                <a:schemeClr val="accent1"/>
+              </a:effectRef>
+              <a:fontRef idx="minor">
+                <a:schemeClr val="lt1"/>
+              </a:fontRef>
+            </p:style>
+            <p:txBody>
+              <a:bodyPr rtlCol="0" anchor="ctr"/>
+              <a:lstStyle/>
+              <a:p>
+                <a:pPr algn="ctr"/>
+                <a:r>
+                  <a:rPr lang="es-CO" dirty="0"/>
+                  <a:t>Partido 1</a:t>
+                </a:r>
+                <a:endParaRPr lang="en-US" dirty="0"/>
+              </a:p>
+            </p:txBody>
+          </p:sp>
+          <p:grpSp>
+            <p:nvGrpSpPr>
+              <p:cNvPr id="19" name="Group 18">
+                <a:extLst>
+                  <a:ext uri="{FF2B5EF4-FFF2-40B4-BE49-F238E27FC236}">
+                    <a16:creationId xmlns:a16="http://schemas.microsoft.com/office/drawing/2014/main" id="{4CFA3016-C2EA-48B9-9E04-D5F3374D767B}"/>
+                  </a:ext>
+                </a:extLst>
+              </p:cNvPr>
+              <p:cNvGrpSpPr/>
+              <p:nvPr/>
+            </p:nvGrpSpPr>
+            <p:grpSpPr>
+              <a:xfrm>
+                <a:off x="2408849" y="976543"/>
+                <a:ext cx="2509379" cy="710952"/>
+                <a:chOff x="2337828" y="940294"/>
+                <a:chExt cx="2509379" cy="710952"/>
+              </a:xfrm>
+            </p:grpSpPr>
+            <p:sp>
+              <p:nvSpPr>
+                <p:cNvPr id="18" name="Rectangle 17">
+                  <a:extLst>
+                    <a:ext uri="{FF2B5EF4-FFF2-40B4-BE49-F238E27FC236}">
+                      <a16:creationId xmlns:a16="http://schemas.microsoft.com/office/drawing/2014/main" id="{946586BE-6663-4228-A51D-41C63FFCE4E0}"/>
+                    </a:ext>
+                  </a:extLst>
+                </p:cNvPr>
+                <p:cNvSpPr/>
+                <p:nvPr/>
+              </p:nvSpPr>
+              <p:spPr>
+                <a:xfrm>
+                  <a:off x="2337828" y="940294"/>
+                  <a:ext cx="2509379" cy="710952"/>
+                </a:xfrm>
+                <a:prstGeom prst="rect">
+                  <a:avLst/>
+                </a:prstGeom>
+              </p:spPr>
+              <p:style>
+                <a:lnRef idx="2">
+                  <a:schemeClr val="accent1">
+                    <a:shade val="50000"/>
+                  </a:schemeClr>
+                </a:lnRef>
+                <a:fillRef idx="1">
+                  <a:schemeClr val="accent1"/>
+                </a:fillRef>
+                <a:effectRef idx="0">
+                  <a:schemeClr val="accent1"/>
+                </a:effectRef>
+                <a:fontRef idx="minor">
+                  <a:schemeClr val="lt1"/>
+                </a:fontRef>
+              </p:style>
+              <p:txBody>
+                <a:bodyPr rtlCol="0" anchor="t"/>
+                <a:lstStyle/>
+                <a:p>
+                  <a:r>
+                    <a:rPr lang="es-CO" sz="1000" dirty="0"/>
+                    <a:t>Liga Y</a:t>
+                  </a:r>
+                  <a:endParaRPr lang="en-US" sz="1000" dirty="0"/>
+                </a:p>
+              </p:txBody>
+            </p:sp>
+            <p:sp>
+              <p:nvSpPr>
+                <p:cNvPr id="8" name="Rectangle 7">
+                  <a:extLst>
+                    <a:ext uri="{FF2B5EF4-FFF2-40B4-BE49-F238E27FC236}">
+                      <a16:creationId xmlns:a16="http://schemas.microsoft.com/office/drawing/2014/main" id="{6CA5D2AB-8F7F-48A3-B40A-5A063B54B699}"/>
+                    </a:ext>
+                  </a:extLst>
+                </p:cNvPr>
+                <p:cNvSpPr/>
+                <p:nvPr/>
+              </p:nvSpPr>
+              <p:spPr>
+                <a:xfrm>
+                  <a:off x="2411768" y="1198488"/>
+                  <a:ext cx="1118587" cy="337352"/>
+                </a:xfrm>
+                <a:prstGeom prst="rect">
+                  <a:avLst/>
+                </a:prstGeom>
+              </p:spPr>
+              <p:style>
+                <a:lnRef idx="2">
+                  <a:schemeClr val="accent1">
+                    <a:shade val="50000"/>
+                  </a:schemeClr>
+                </a:lnRef>
+                <a:fillRef idx="1">
+                  <a:schemeClr val="accent1"/>
+                </a:fillRef>
+                <a:effectRef idx="0">
+                  <a:schemeClr val="accent1"/>
+                </a:effectRef>
+                <a:fontRef idx="minor">
+                  <a:schemeClr val="lt1"/>
+                </a:fontRef>
+              </p:style>
+              <p:txBody>
+                <a:bodyPr rtlCol="0" anchor="ctr"/>
+                <a:lstStyle/>
+                <a:p>
+                  <a:pPr algn="ctr"/>
+                  <a:r>
+                    <a:rPr lang="es-CO" dirty="0"/>
+                    <a:t>Equipo A</a:t>
+                  </a:r>
+                  <a:endParaRPr lang="en-US" dirty="0"/>
+                </a:p>
+              </p:txBody>
+            </p:sp>
+            <p:sp>
+              <p:nvSpPr>
+                <p:cNvPr id="9" name="Rectangle 8">
+                  <a:extLst>
+                    <a:ext uri="{FF2B5EF4-FFF2-40B4-BE49-F238E27FC236}">
+                      <a16:creationId xmlns:a16="http://schemas.microsoft.com/office/drawing/2014/main" id="{CB87D016-2D95-41E2-8014-CD1637A95CFA}"/>
+                    </a:ext>
+                  </a:extLst>
+                </p:cNvPr>
+                <p:cNvSpPr/>
+                <p:nvPr/>
+              </p:nvSpPr>
+              <p:spPr>
+                <a:xfrm>
+                  <a:off x="3651680" y="1199967"/>
+                  <a:ext cx="1118587" cy="337352"/>
+                </a:xfrm>
+                <a:prstGeom prst="rect">
+                  <a:avLst/>
+                </a:prstGeom>
+              </p:spPr>
+              <p:style>
+                <a:lnRef idx="2">
+                  <a:schemeClr val="accent1">
+                    <a:shade val="50000"/>
+                  </a:schemeClr>
+                </a:lnRef>
+                <a:fillRef idx="1">
+                  <a:schemeClr val="accent1"/>
+                </a:fillRef>
+                <a:effectRef idx="0">
+                  <a:schemeClr val="accent1"/>
+                </a:effectRef>
+                <a:fontRef idx="minor">
+                  <a:schemeClr val="lt1"/>
+                </a:fontRef>
+              </p:style>
+              <p:txBody>
+                <a:bodyPr rtlCol="0" anchor="ctr"/>
+                <a:lstStyle/>
+                <a:p>
+                  <a:pPr algn="ctr"/>
+                  <a:r>
+                    <a:rPr lang="es-CO" dirty="0"/>
+                    <a:t>Equipo B</a:t>
+                  </a:r>
+                  <a:endParaRPr lang="en-US" dirty="0"/>
+                </a:p>
+              </p:txBody>
+            </p:sp>
+          </p:grpSp>
+          <p:sp>
+            <p:nvSpPr>
+              <p:cNvPr id="10" name="Rectangle 9">
+                <a:extLst>
+                  <a:ext uri="{FF2B5EF4-FFF2-40B4-BE49-F238E27FC236}">
+                    <a16:creationId xmlns:a16="http://schemas.microsoft.com/office/drawing/2014/main" id="{4F6A7317-FE4D-44D8-B1CB-66DC1AF9BADB}"/>
+                  </a:ext>
+                </a:extLst>
+              </p:cNvPr>
+              <p:cNvSpPr/>
+              <p:nvPr/>
+            </p:nvSpPr>
+            <p:spPr>
+              <a:xfrm>
+                <a:off x="1091953" y="1779973"/>
+                <a:ext cx="1189608" cy="337352"/>
+              </a:xfrm>
+              <a:prstGeom prst="rect">
+                <a:avLst/>
+              </a:prstGeom>
+            </p:spPr>
+            <p:style>
+              <a:lnRef idx="2">
+                <a:schemeClr val="accent1">
+                  <a:shade val="50000"/>
+                </a:schemeClr>
+              </a:lnRef>
+              <a:fillRef idx="1">
+                <a:schemeClr val="accent1"/>
+              </a:fillRef>
+              <a:effectRef idx="0">
+                <a:schemeClr val="accent1"/>
+              </a:effectRef>
+              <a:fontRef idx="minor">
+                <a:schemeClr val="lt1"/>
+              </a:fontRef>
+            </p:style>
+            <p:txBody>
+              <a:bodyPr rtlCol="0" anchor="ctr"/>
+              <a:lstStyle/>
+              <a:p>
+                <a:pPr algn="ctr"/>
+                <a:r>
+                  <a:rPr lang="es-CO" dirty="0"/>
+                  <a:t>Partido 2</a:t>
+                </a:r>
+                <a:endParaRPr lang="en-US" dirty="0"/>
+              </a:p>
+            </p:txBody>
+          </p:sp>
+          <p:grpSp>
+            <p:nvGrpSpPr>
+              <p:cNvPr id="20" name="Group 19">
+                <a:extLst>
+                  <a:ext uri="{FF2B5EF4-FFF2-40B4-BE49-F238E27FC236}">
+                    <a16:creationId xmlns:a16="http://schemas.microsoft.com/office/drawing/2014/main" id="{69B719CB-648A-47E5-A20B-16407158B962}"/>
+                  </a:ext>
+                </a:extLst>
+              </p:cNvPr>
+              <p:cNvGrpSpPr/>
+              <p:nvPr/>
+            </p:nvGrpSpPr>
+            <p:grpSpPr>
+              <a:xfrm>
+                <a:off x="2408848" y="1779973"/>
+                <a:ext cx="2509379" cy="710952"/>
+                <a:chOff x="2337828" y="940294"/>
+                <a:chExt cx="2509379" cy="710952"/>
+              </a:xfrm>
+            </p:grpSpPr>
+            <p:sp>
+              <p:nvSpPr>
+                <p:cNvPr id="21" name="Rectangle 20">
+                  <a:extLst>
+                    <a:ext uri="{FF2B5EF4-FFF2-40B4-BE49-F238E27FC236}">
+                      <a16:creationId xmlns:a16="http://schemas.microsoft.com/office/drawing/2014/main" id="{8EBCD2A1-0374-4713-8935-ACD61504A74B}"/>
+                    </a:ext>
+                  </a:extLst>
+                </p:cNvPr>
+                <p:cNvSpPr/>
+                <p:nvPr/>
+              </p:nvSpPr>
+              <p:spPr>
+                <a:xfrm>
+                  <a:off x="2337828" y="940294"/>
+                  <a:ext cx="2509379" cy="710952"/>
+                </a:xfrm>
+                <a:prstGeom prst="rect">
+                  <a:avLst/>
+                </a:prstGeom>
+              </p:spPr>
+              <p:style>
+                <a:lnRef idx="2">
+                  <a:schemeClr val="accent1">
+                    <a:shade val="50000"/>
+                  </a:schemeClr>
+                </a:lnRef>
+                <a:fillRef idx="1">
+                  <a:schemeClr val="accent1"/>
+                </a:fillRef>
+                <a:effectRef idx="0">
+                  <a:schemeClr val="accent1"/>
+                </a:effectRef>
+                <a:fontRef idx="minor">
+                  <a:schemeClr val="lt1"/>
+                </a:fontRef>
+              </p:style>
+              <p:txBody>
+                <a:bodyPr rtlCol="0" anchor="t"/>
+                <a:lstStyle/>
+                <a:p>
+                  <a:r>
+                    <a:rPr lang="es-CO" sz="1000" dirty="0"/>
+                    <a:t>Liga Y</a:t>
+                  </a:r>
+                  <a:endParaRPr lang="en-US" sz="1000" dirty="0"/>
+                </a:p>
+              </p:txBody>
+            </p:sp>
+            <p:sp>
+              <p:nvSpPr>
+                <p:cNvPr id="22" name="Rectangle 21">
+                  <a:extLst>
+                    <a:ext uri="{FF2B5EF4-FFF2-40B4-BE49-F238E27FC236}">
+                      <a16:creationId xmlns:a16="http://schemas.microsoft.com/office/drawing/2014/main" id="{4F585E38-BC8D-48E2-9068-44CF4E4D2353}"/>
+                    </a:ext>
+                  </a:extLst>
+                </p:cNvPr>
+                <p:cNvSpPr/>
+                <p:nvPr/>
+              </p:nvSpPr>
+              <p:spPr>
+                <a:xfrm>
+                  <a:off x="2411768" y="1198488"/>
+                  <a:ext cx="1118587" cy="337352"/>
+                </a:xfrm>
+                <a:prstGeom prst="rect">
+                  <a:avLst/>
+                </a:prstGeom>
+              </p:spPr>
+              <p:style>
+                <a:lnRef idx="2">
+                  <a:schemeClr val="accent1">
+                    <a:shade val="50000"/>
+                  </a:schemeClr>
+                </a:lnRef>
+                <a:fillRef idx="1">
+                  <a:schemeClr val="accent1"/>
+                </a:fillRef>
+                <a:effectRef idx="0">
+                  <a:schemeClr val="accent1"/>
+                </a:effectRef>
+                <a:fontRef idx="minor">
+                  <a:schemeClr val="lt1"/>
+                </a:fontRef>
+              </p:style>
+              <p:txBody>
+                <a:bodyPr rtlCol="0" anchor="ctr"/>
+                <a:lstStyle/>
+                <a:p>
+                  <a:pPr algn="ctr"/>
+                  <a:r>
+                    <a:rPr lang="es-CO" dirty="0"/>
+                    <a:t>Equipo C</a:t>
+                  </a:r>
+                  <a:endParaRPr lang="en-US" dirty="0"/>
+                </a:p>
+              </p:txBody>
+            </p:sp>
+            <p:sp>
+              <p:nvSpPr>
+                <p:cNvPr id="23" name="Rectangle 22">
+                  <a:extLst>
+                    <a:ext uri="{FF2B5EF4-FFF2-40B4-BE49-F238E27FC236}">
+                      <a16:creationId xmlns:a16="http://schemas.microsoft.com/office/drawing/2014/main" id="{A8D01585-64EB-4E91-B86E-B38CFE527360}"/>
+                    </a:ext>
+                  </a:extLst>
+                </p:cNvPr>
+                <p:cNvSpPr/>
+                <p:nvPr/>
+              </p:nvSpPr>
+              <p:spPr>
+                <a:xfrm>
+                  <a:off x="3651680" y="1199967"/>
+                  <a:ext cx="1118587" cy="337352"/>
+                </a:xfrm>
+                <a:prstGeom prst="rect">
+                  <a:avLst/>
+                </a:prstGeom>
+              </p:spPr>
+              <p:style>
+                <a:lnRef idx="2">
+                  <a:schemeClr val="accent1">
+                    <a:shade val="50000"/>
+                  </a:schemeClr>
+                </a:lnRef>
+                <a:fillRef idx="1">
+                  <a:schemeClr val="accent1"/>
+                </a:fillRef>
+                <a:effectRef idx="0">
+                  <a:schemeClr val="accent1"/>
+                </a:effectRef>
+                <a:fontRef idx="minor">
+                  <a:schemeClr val="lt1"/>
+                </a:fontRef>
+              </p:style>
+              <p:txBody>
+                <a:bodyPr rtlCol="0" anchor="ctr"/>
+                <a:lstStyle/>
+                <a:p>
+                  <a:pPr algn="ctr"/>
+                  <a:r>
+                    <a:rPr lang="es-CO" dirty="0"/>
+                    <a:t>Equipo D</a:t>
+                  </a:r>
+                  <a:endParaRPr lang="en-US" dirty="0"/>
+                </a:p>
+              </p:txBody>
+            </p:sp>
+          </p:grpSp>
+        </p:grpSp>
+        <p:sp>
+          <p:nvSpPr>
+            <p:cNvPr id="26" name="Rectangle 25">
+              <a:extLst>
+                <a:ext uri="{FF2B5EF4-FFF2-40B4-BE49-F238E27FC236}">
+                  <a16:creationId xmlns:a16="http://schemas.microsoft.com/office/drawing/2014/main" id="{BDFD31E7-1A72-4166-9117-7C0B94CFB2C1}"/>
+                </a:ext>
+              </a:extLst>
+            </p:cNvPr>
+            <p:cNvSpPr/>
+            <p:nvPr/>
+          </p:nvSpPr>
+          <p:spPr>
+            <a:xfrm>
+              <a:off x="2263806" y="827842"/>
+              <a:ext cx="4891595" cy="2510162"/>
+            </a:xfrm>
+            <a:prstGeom prst="rect">
+              <a:avLst/>
+            </a:prstGeom>
+            <a:noFill/>
+            <a:ln>
+              <a:solidFill>
+                <a:schemeClr val="tx1"/>
+              </a:solidFill>
+            </a:ln>
+          </p:spPr>
+          <p:style>
+            <a:lnRef idx="2">
+              <a:schemeClr val="accent1">
+                <a:shade val="50000"/>
+              </a:schemeClr>
+            </a:lnRef>
+            <a:fillRef idx="1">
+              <a:schemeClr val="accent1"/>
+            </a:fillRef>
+            <a:effectRef idx="0">
+              <a:schemeClr val="accent1"/>
+            </a:effectRef>
+            <a:fontRef idx="minor">
+              <a:schemeClr val="lt1"/>
+            </a:fontRef>
+          </p:style>
+          <p:txBody>
+            <a:bodyPr rtlCol="0" anchor="ctr"/>
+            <a:lstStyle/>
+            <a:p>
+              <a:pPr algn="ctr"/>
+              <a:endParaRPr lang="en-US"/>
+            </a:p>
+          </p:txBody>
+        </p:sp>
+      </p:grpSp>
+      <p:grpSp>
+        <p:nvGrpSpPr>
+          <p:cNvPr id="29" name="Group 28">
+            <a:extLst>
+              <a:ext uri="{FF2B5EF4-FFF2-40B4-BE49-F238E27FC236}">
+                <a16:creationId xmlns:a16="http://schemas.microsoft.com/office/drawing/2014/main" id="{AB4189C2-4082-45D7-92AE-6912BF567C4E}"/>
+              </a:ext>
+            </a:extLst>
+          </p:cNvPr>
+          <p:cNvGrpSpPr/>
+          <p:nvPr/>
+        </p:nvGrpSpPr>
+        <p:grpSpPr>
+          <a:xfrm>
+            <a:off x="1074197" y="3324686"/>
+            <a:ext cx="4891595" cy="2510162"/>
+            <a:chOff x="2263805" y="3519996"/>
+            <a:chExt cx="4891595" cy="2510162"/>
+          </a:xfrm>
+        </p:grpSpPr>
+        <p:grpSp>
+          <p:nvGrpSpPr>
+            <p:cNvPr id="25" name="Group 24">
+              <a:extLst>
+                <a:ext uri="{FF2B5EF4-FFF2-40B4-BE49-F238E27FC236}">
+                  <a16:creationId xmlns:a16="http://schemas.microsoft.com/office/drawing/2014/main" id="{6F4D2620-F3C9-476A-9BF6-5F497DEDF372}"/>
+                </a:ext>
+              </a:extLst>
+            </p:cNvPr>
+            <p:cNvGrpSpPr/>
+            <p:nvPr/>
+          </p:nvGrpSpPr>
+          <p:grpSpPr>
+            <a:xfrm>
+              <a:off x="2432525" y="3619869"/>
+              <a:ext cx="3263981" cy="1548416"/>
+              <a:chOff x="337394" y="2971800"/>
+              <a:chExt cx="3263981" cy="1548416"/>
+            </a:xfrm>
+          </p:grpSpPr>
+          <p:sp>
+            <p:nvSpPr>
+              <p:cNvPr id="13" name="Rectangle 12">
+                <a:extLst>
+                  <a:ext uri="{FF2B5EF4-FFF2-40B4-BE49-F238E27FC236}">
+                    <a16:creationId xmlns:a16="http://schemas.microsoft.com/office/drawing/2014/main" id="{37E19495-BD43-4617-A0B5-472516AA0F46}"/>
+                  </a:ext>
+                </a:extLst>
+              </p:cNvPr>
+              <p:cNvSpPr/>
+              <p:nvPr/>
+            </p:nvSpPr>
+            <p:spPr>
+              <a:xfrm>
+                <a:off x="337394" y="2971800"/>
+                <a:ext cx="1765178" cy="914400"/>
+              </a:xfrm>
+              <a:prstGeom prst="rect">
+                <a:avLst/>
+              </a:prstGeom>
+            </p:spPr>
+            <p:style>
+              <a:lnRef idx="2">
+                <a:schemeClr val="accent1">
+                  <a:shade val="50000"/>
+                </a:schemeClr>
+              </a:lnRef>
+              <a:fillRef idx="1">
+                <a:schemeClr val="accent1"/>
+              </a:fillRef>
+              <a:effectRef idx="0">
+                <a:schemeClr val="accent1"/>
+              </a:effectRef>
+              <a:fontRef idx="minor">
+                <a:schemeClr val="lt1"/>
+              </a:fontRef>
+            </p:style>
+            <p:txBody>
+              <a:bodyPr rtlCol="0" anchor="ctr"/>
+              <a:lstStyle/>
+              <a:p>
+                <a:pPr algn="ctr"/>
+                <a:r>
+                  <a:rPr lang="es-CO" dirty="0"/>
+                  <a:t>Quínela Jornada</a:t>
+                </a:r>
+                <a:endParaRPr lang="en-US" dirty="0"/>
+              </a:p>
+            </p:txBody>
+          </p:sp>
+          <p:sp>
+            <p:nvSpPr>
+              <p:cNvPr id="14" name="Rectangle 13">
+                <a:extLst>
+                  <a:ext uri="{FF2B5EF4-FFF2-40B4-BE49-F238E27FC236}">
+                    <a16:creationId xmlns:a16="http://schemas.microsoft.com/office/drawing/2014/main" id="{5BE90671-BE68-4E55-890E-4D49DB6CA0EA}"/>
+                  </a:ext>
+                </a:extLst>
+              </p:cNvPr>
+              <p:cNvSpPr/>
+              <p:nvPr/>
+            </p:nvSpPr>
+            <p:spPr>
+              <a:xfrm>
+                <a:off x="1091997" y="3717524"/>
+                <a:ext cx="2509378" cy="337352"/>
+              </a:xfrm>
+              <a:prstGeom prst="rect">
+                <a:avLst/>
+              </a:prstGeom>
+            </p:spPr>
+            <p:style>
+              <a:lnRef idx="2">
+                <a:schemeClr val="accent1">
+                  <a:shade val="50000"/>
+                </a:schemeClr>
+              </a:lnRef>
+              <a:fillRef idx="1">
+                <a:schemeClr val="accent1"/>
+              </a:fillRef>
+              <a:effectRef idx="0">
+                <a:schemeClr val="accent1"/>
+              </a:effectRef>
+              <a:fontRef idx="minor">
+                <a:schemeClr val="lt1"/>
+              </a:fontRef>
+            </p:style>
+            <p:txBody>
+              <a:bodyPr rtlCol="0" anchor="ctr"/>
+              <a:lstStyle/>
+              <a:p>
+                <a:pPr algn="ctr"/>
+                <a:r>
+                  <a:rPr lang="es-CO" dirty="0"/>
+                  <a:t>Usuario 1 – Pronostico 1</a:t>
+                </a:r>
+                <a:endParaRPr lang="en-US" dirty="0"/>
+              </a:p>
+            </p:txBody>
+          </p:sp>
+          <p:sp>
+            <p:nvSpPr>
+              <p:cNvPr id="15" name="Rectangle 14">
+                <a:extLst>
+                  <a:ext uri="{FF2B5EF4-FFF2-40B4-BE49-F238E27FC236}">
+                    <a16:creationId xmlns:a16="http://schemas.microsoft.com/office/drawing/2014/main" id="{325B1407-EAB6-4469-8D44-A13E6651EC3B}"/>
+                  </a:ext>
+                </a:extLst>
+              </p:cNvPr>
+              <p:cNvSpPr/>
+              <p:nvPr/>
+            </p:nvSpPr>
+            <p:spPr>
+              <a:xfrm>
+                <a:off x="1100137" y="4182864"/>
+                <a:ext cx="2501238" cy="337352"/>
+              </a:xfrm>
+              <a:prstGeom prst="rect">
+                <a:avLst/>
+              </a:prstGeom>
+            </p:spPr>
+            <p:style>
+              <a:lnRef idx="2">
+                <a:schemeClr val="accent1">
+                  <a:shade val="50000"/>
+                </a:schemeClr>
+              </a:lnRef>
+              <a:fillRef idx="1">
+                <a:schemeClr val="accent1"/>
+              </a:fillRef>
+              <a:effectRef idx="0">
+                <a:schemeClr val="accent1"/>
+              </a:effectRef>
+              <a:fontRef idx="minor">
+                <a:schemeClr val="lt1"/>
+              </a:fontRef>
+            </p:style>
+            <p:txBody>
+              <a:bodyPr rtlCol="0" anchor="ctr"/>
+              <a:lstStyle/>
+              <a:p>
+                <a:pPr algn="ctr"/>
+                <a:r>
+                  <a:rPr lang="es-CO" dirty="0"/>
+                  <a:t>Usuario 2 – Pronostico 2</a:t>
+                </a:r>
+                <a:endParaRPr lang="en-US" dirty="0"/>
+              </a:p>
+            </p:txBody>
+          </p:sp>
+        </p:grpSp>
+        <p:sp>
+          <p:nvSpPr>
+            <p:cNvPr id="27" name="Rectangle 26">
+              <a:extLst>
+                <a:ext uri="{FF2B5EF4-FFF2-40B4-BE49-F238E27FC236}">
+                  <a16:creationId xmlns:a16="http://schemas.microsoft.com/office/drawing/2014/main" id="{164DF036-E92B-4C37-ABA1-D3A656296179}"/>
+                </a:ext>
+              </a:extLst>
+            </p:cNvPr>
+            <p:cNvSpPr/>
+            <p:nvPr/>
+          </p:nvSpPr>
+          <p:spPr>
+            <a:xfrm>
+              <a:off x="2263805" y="3519996"/>
+              <a:ext cx="4891595" cy="2510162"/>
+            </a:xfrm>
+            <a:prstGeom prst="rect">
+              <a:avLst/>
+            </a:prstGeom>
+            <a:noFill/>
+            <a:ln>
+              <a:solidFill>
+                <a:schemeClr val="tx1"/>
+              </a:solidFill>
+            </a:ln>
+          </p:spPr>
+          <p:style>
+            <a:lnRef idx="2">
+              <a:schemeClr val="accent1">
+                <a:shade val="50000"/>
+              </a:schemeClr>
+            </a:lnRef>
+            <a:fillRef idx="1">
+              <a:schemeClr val="accent1"/>
+            </a:fillRef>
+            <a:effectRef idx="0">
+              <a:schemeClr val="accent1"/>
+            </a:effectRef>
+            <a:fontRef idx="minor">
+              <a:schemeClr val="lt1"/>
+            </a:fontRef>
+          </p:style>
+          <p:txBody>
+            <a:bodyPr rtlCol="0" anchor="ctr"/>
+            <a:lstStyle/>
+            <a:p>
+              <a:pPr algn="ctr"/>
+              <a:endParaRPr lang="en-US"/>
+            </a:p>
+          </p:txBody>
+        </p:sp>
+      </p:grpSp>
+      <p:sp>
+        <p:nvSpPr>
+          <p:cNvPr id="30" name="Rectangle 29">
+            <a:extLst>
+              <a:ext uri="{FF2B5EF4-FFF2-40B4-BE49-F238E27FC236}">
+                <a16:creationId xmlns:a16="http://schemas.microsoft.com/office/drawing/2014/main" id="{9B134091-CED4-425D-A8A8-CD4EDDA285CF}"/>
+              </a:ext>
+            </a:extLst>
+          </p:cNvPr>
+          <p:cNvSpPr/>
+          <p:nvPr/>
+        </p:nvSpPr>
+        <p:spPr>
+          <a:xfrm>
+            <a:off x="6096000" y="556330"/>
+            <a:ext cx="4891595" cy="2510162"/>
+          </a:xfrm>
+          <a:prstGeom prst="rect">
+            <a:avLst/>
+          </a:prstGeom>
+          <a:noFill/>
+          <a:ln>
+            <a:solidFill>
+              <a:schemeClr val="tx1"/>
+            </a:solidFill>
+          </a:ln>
+        </p:spPr>
+        <p:style>
+          <a:lnRef idx="2">
+            <a:schemeClr val="accent1">
+              <a:shade val="50000"/>
+            </a:schemeClr>
+          </a:lnRef>
+          <a:fillRef idx="1">
+            <a:schemeClr val="accent1"/>
+          </a:fillRef>
+          <a:effectRef idx="0">
+            <a:schemeClr val="accent1"/>
+          </a:effectRef>
+          <a:fontRef idx="minor">
+            <a:schemeClr val="lt1"/>
+          </a:fontRef>
+        </p:style>
+        <p:txBody>
+          <a:bodyPr rtlCol="0" anchor="ctr"/>
+          <a:lstStyle/>
+          <a:p>
+            <a:pPr algn="ctr"/>
+            <a:endParaRPr lang="en-US"/>
+          </a:p>
+        </p:txBody>
+      </p:sp>
+      <p:sp>
+        <p:nvSpPr>
+          <p:cNvPr id="31" name="Rectangle 30">
+            <a:extLst>
+              <a:ext uri="{FF2B5EF4-FFF2-40B4-BE49-F238E27FC236}">
+                <a16:creationId xmlns:a16="http://schemas.microsoft.com/office/drawing/2014/main" id="{E25B1079-1A46-4992-85D3-9A0DFA3AA884}"/>
+              </a:ext>
+            </a:extLst>
+          </p:cNvPr>
+          <p:cNvSpPr/>
+          <p:nvPr/>
+        </p:nvSpPr>
+        <p:spPr>
+          <a:xfrm>
+            <a:off x="6095999" y="3324686"/>
+            <a:ext cx="4891595" cy="2510162"/>
+          </a:xfrm>
+          <a:prstGeom prst="rect">
+            <a:avLst/>
+          </a:prstGeom>
+          <a:noFill/>
+          <a:ln>
+            <a:solidFill>
+              <a:schemeClr val="tx1"/>
+            </a:solidFill>
+          </a:ln>
+        </p:spPr>
+        <p:style>
+          <a:lnRef idx="2">
+            <a:schemeClr val="accent1">
+              <a:shade val="50000"/>
+            </a:schemeClr>
+          </a:lnRef>
+          <a:fillRef idx="1">
+            <a:schemeClr val="accent1"/>
+          </a:fillRef>
+          <a:effectRef idx="0">
+            <a:schemeClr val="accent1"/>
+          </a:effectRef>
+          <a:fontRef idx="minor">
+            <a:schemeClr val="lt1"/>
+          </a:fontRef>
+        </p:style>
+        <p:txBody>
+          <a:bodyPr rtlCol="0" anchor="ctr"/>
+          <a:lstStyle/>
+          <a:p>
+            <a:pPr algn="ctr"/>
+            <a:endParaRPr lang="en-US"/>
+          </a:p>
+        </p:txBody>
+      </p:sp>
     </p:spTree>
     <p:extLst>
       <p:ext uri="{BB962C8B-B14F-4D97-AF65-F5344CB8AC3E}">
